--- a/English/6.Visuals/8.The Cards and Multi rows Cards.pptx
+++ b/English/6.Visuals/8.The Cards and Multi rows Cards.pptx
@@ -17,7 +17,7 @@
   <p:notesSz cx="6858000" cy="9144000"/>
   <p:defaultTextStyle>
     <a:defPPr>
-      <a:defRPr lang="en-US"/>
+      <a:defRPr lang="en"/>
     </a:defPPr>
     <a:lvl1pPr marL="0" algn="l" defTabSz="914400" rtl="0" eaLnBrk="1" latinLnBrk="0" hangingPunct="1">
       <a:defRPr sz="1800" kern="1200">
@@ -200,7 +200,7 @@
           <a:p>
             <a:fld id="{056BA3B8-9F76-4D81-B71D-76CB85363062}" type="datetimeFigureOut">
               <a:rPr lang="en-US" smtClean="0"/>
-              <a:t>1/4/2025</a:t>
+              <a:t>4/3/2025</a:t>
             </a:fld>
             <a:endParaRPr lang="en-US"/>
           </a:p>
@@ -599,7 +599,7 @@
           <a:p>
             <a:fld id="{6F01DA4D-20EA-48D2-973C-0311EC3005D6}" type="datetimeFigureOut">
               <a:rPr lang="en-US" smtClean="0"/>
-              <a:t>1/4/2025</a:t>
+              <a:t>4/3/2025</a:t>
             </a:fld>
             <a:endParaRPr lang="en-US"/>
           </a:p>
@@ -769,7 +769,7 @@
           <a:p>
             <a:fld id="{6F01DA4D-20EA-48D2-973C-0311EC3005D6}" type="datetimeFigureOut">
               <a:rPr lang="en-US" smtClean="0"/>
-              <a:t>1/4/2025</a:t>
+              <a:t>4/3/2025</a:t>
             </a:fld>
             <a:endParaRPr lang="en-US"/>
           </a:p>
@@ -949,7 +949,7 @@
           <a:p>
             <a:fld id="{6F01DA4D-20EA-48D2-973C-0311EC3005D6}" type="datetimeFigureOut">
               <a:rPr lang="en-US" smtClean="0"/>
-              <a:t>1/4/2025</a:t>
+              <a:t>4/3/2025</a:t>
             </a:fld>
             <a:endParaRPr lang="en-US"/>
           </a:p>
@@ -1119,7 +1119,7 @@
           <a:p>
             <a:fld id="{6F01DA4D-20EA-48D2-973C-0311EC3005D6}" type="datetimeFigureOut">
               <a:rPr lang="en-US" smtClean="0"/>
-              <a:t>1/4/2025</a:t>
+              <a:t>4/3/2025</a:t>
             </a:fld>
             <a:endParaRPr lang="en-US"/>
           </a:p>
@@ -1365,7 +1365,7 @@
           <a:p>
             <a:fld id="{6F01DA4D-20EA-48D2-973C-0311EC3005D6}" type="datetimeFigureOut">
               <a:rPr lang="en-US" smtClean="0"/>
-              <a:t>1/4/2025</a:t>
+              <a:t>4/3/2025</a:t>
             </a:fld>
             <a:endParaRPr lang="en-US"/>
           </a:p>
@@ -1597,7 +1597,7 @@
           <a:p>
             <a:fld id="{6F01DA4D-20EA-48D2-973C-0311EC3005D6}" type="datetimeFigureOut">
               <a:rPr lang="en-US" smtClean="0"/>
-              <a:t>1/4/2025</a:t>
+              <a:t>4/3/2025</a:t>
             </a:fld>
             <a:endParaRPr lang="en-US"/>
           </a:p>
@@ -1964,7 +1964,7 @@
           <a:p>
             <a:fld id="{6F01DA4D-20EA-48D2-973C-0311EC3005D6}" type="datetimeFigureOut">
               <a:rPr lang="en-US" smtClean="0"/>
-              <a:t>1/4/2025</a:t>
+              <a:t>4/3/2025</a:t>
             </a:fld>
             <a:endParaRPr lang="en-US"/>
           </a:p>
@@ -2082,7 +2082,7 @@
           <a:p>
             <a:fld id="{6F01DA4D-20EA-48D2-973C-0311EC3005D6}" type="datetimeFigureOut">
               <a:rPr lang="en-US" smtClean="0"/>
-              <a:t>1/4/2025</a:t>
+              <a:t>4/3/2025</a:t>
             </a:fld>
             <a:endParaRPr lang="en-US"/>
           </a:p>
@@ -2177,7 +2177,7 @@
           <a:p>
             <a:fld id="{6F01DA4D-20EA-48D2-973C-0311EC3005D6}" type="datetimeFigureOut">
               <a:rPr lang="en-US" smtClean="0"/>
-              <a:t>1/4/2025</a:t>
+              <a:t>4/3/2025</a:t>
             </a:fld>
             <a:endParaRPr lang="en-US"/>
           </a:p>
@@ -2454,7 +2454,7 @@
           <a:p>
             <a:fld id="{6F01DA4D-20EA-48D2-973C-0311EC3005D6}" type="datetimeFigureOut">
               <a:rPr lang="en-US" smtClean="0"/>
-              <a:t>1/4/2025</a:t>
+              <a:t>4/3/2025</a:t>
             </a:fld>
             <a:endParaRPr lang="en-US"/>
           </a:p>
@@ -2707,7 +2707,7 @@
           <a:p>
             <a:fld id="{6F01DA4D-20EA-48D2-973C-0311EC3005D6}" type="datetimeFigureOut">
               <a:rPr lang="en-US" smtClean="0"/>
-              <a:t>1/4/2025</a:t>
+              <a:t>4/3/2025</a:t>
             </a:fld>
             <a:endParaRPr lang="en-US"/>
           </a:p>
@@ -2920,7 +2920,7 @@
           <a:p>
             <a:fld id="{6F01DA4D-20EA-48D2-973C-0311EC3005D6}" type="datetimeFigureOut">
               <a:rPr lang="en-US" smtClean="0"/>
-              <a:t>1/4/2025</a:t>
+              <a:t>4/3/2025</a:t>
             </a:fld>
             <a:endParaRPr lang="en-US"/>
           </a:p>
@@ -3341,7 +3341,7 @@
         </p:nvSpPr>
         <p:spPr>
           <a:xfrm>
-            <a:off x="1487343" y="1638413"/>
+            <a:off x="1700474" y="1913420"/>
             <a:ext cx="8536681" cy="2554545"/>
           </a:xfrm>
           <a:prstGeom prst="rect">
@@ -3357,7 +3357,7 @@
           <a:p>
             <a:pPr algn="ctr"/>
             <a:r>
-              <a:rPr lang="fr-FR" sz="8000" b="1" dirty="0" smtClean="0">
+              <a:rPr lang="en" sz="8000" b="1" dirty="0" smtClean="0">
                 <a:solidFill>
                   <a:srgbClr val="7030A0"/>
                 </a:solidFill>
@@ -3365,76 +3365,7 @@
                 <a:ea typeface="Verdana" panose="020B0604030504040204" pitchFamily="34" charset="0"/>
                 <a:cs typeface="Segoe UI" panose="020B0502040204020203" pitchFamily="34" charset="0"/>
               </a:rPr>
-              <a:t>The </a:t>
-            </a:r>
-            <a:r>
-              <a:rPr lang="fr-FR" sz="8000" b="1" dirty="0" err="1" smtClean="0">
-                <a:solidFill>
-                  <a:srgbClr val="7030A0"/>
-                </a:solidFill>
-                <a:latin typeface="Segoe UI" panose="020B0502040204020203" pitchFamily="34" charset="0"/>
-                <a:ea typeface="Verdana" panose="020B0604030504040204" pitchFamily="34" charset="0"/>
-                <a:cs typeface="Segoe UI" panose="020B0502040204020203" pitchFamily="34" charset="0"/>
-              </a:rPr>
-              <a:t>Cards</a:t>
-            </a:r>
-            <a:r>
-              <a:rPr lang="fr-FR" sz="8000" b="1" dirty="0" smtClean="0">
-                <a:solidFill>
-                  <a:srgbClr val="7030A0"/>
-                </a:solidFill>
-                <a:latin typeface="Segoe UI" panose="020B0502040204020203" pitchFamily="34" charset="0"/>
-                <a:ea typeface="Verdana" panose="020B0604030504040204" pitchFamily="34" charset="0"/>
-                <a:cs typeface="Segoe UI" panose="020B0502040204020203" pitchFamily="34" charset="0"/>
-              </a:rPr>
-              <a:t> and</a:t>
-            </a:r>
-          </a:p>
-          <a:p>
-            <a:pPr algn="ctr"/>
-            <a:r>
-              <a:rPr lang="fr-FR" sz="8000" b="1" dirty="0" smtClean="0">
-                <a:solidFill>
-                  <a:srgbClr val="7030A0"/>
-                </a:solidFill>
-                <a:latin typeface="Segoe UI" panose="020B0502040204020203" pitchFamily="34" charset="0"/>
-                <a:ea typeface="Verdana" panose="020B0604030504040204" pitchFamily="34" charset="0"/>
-                <a:cs typeface="Segoe UI" panose="020B0502040204020203" pitchFamily="34" charset="0"/>
-              </a:rPr>
-              <a:t>Multi </a:t>
-            </a:r>
-            <a:r>
-              <a:rPr lang="fr-FR" sz="8000" b="1" dirty="0" err="1" smtClean="0">
-                <a:solidFill>
-                  <a:srgbClr val="7030A0"/>
-                </a:solidFill>
-                <a:latin typeface="Segoe UI" panose="020B0502040204020203" pitchFamily="34" charset="0"/>
-                <a:ea typeface="Verdana" panose="020B0604030504040204" pitchFamily="34" charset="0"/>
-                <a:cs typeface="Segoe UI" panose="020B0502040204020203" pitchFamily="34" charset="0"/>
-              </a:rPr>
-              <a:t>rows</a:t>
-            </a:r>
-            <a:r>
-              <a:rPr lang="fr-FR" sz="8000" b="1" dirty="0" smtClean="0">
-                <a:solidFill>
-                  <a:srgbClr val="7030A0"/>
-                </a:solidFill>
-                <a:latin typeface="Segoe UI" panose="020B0502040204020203" pitchFamily="34" charset="0"/>
-                <a:ea typeface="Verdana" panose="020B0604030504040204" pitchFamily="34" charset="0"/>
-                <a:cs typeface="Segoe UI" panose="020B0502040204020203" pitchFamily="34" charset="0"/>
-              </a:rPr>
-              <a:t> </a:t>
-            </a:r>
-            <a:r>
-              <a:rPr lang="fr-FR" sz="8000" b="1" dirty="0" err="1" smtClean="0">
-                <a:solidFill>
-                  <a:srgbClr val="7030A0"/>
-                </a:solidFill>
-                <a:latin typeface="Segoe UI" panose="020B0502040204020203" pitchFamily="34" charset="0"/>
-                <a:ea typeface="Verdana" panose="020B0604030504040204" pitchFamily="34" charset="0"/>
-                <a:cs typeface="Segoe UI" panose="020B0502040204020203" pitchFamily="34" charset="0"/>
-              </a:rPr>
-              <a:t>Cards</a:t>
+              <a:t>Cards and multi rows cards</a:t>
             </a:r>
             <a:endParaRPr lang="en-US" sz="8000" b="1" dirty="0">
               <a:solidFill>
@@ -3455,7 +3386,7 @@
         </p:nvSpPr>
         <p:spPr>
           <a:xfrm>
-            <a:off x="1116083" y="1577684"/>
+            <a:off x="1377340" y="1855888"/>
             <a:ext cx="9182948" cy="2554545"/>
           </a:xfrm>
           <a:prstGeom prst="rect">
@@ -3471,7 +3402,7 @@
           <a:p>
             <a:pPr algn="ctr"/>
             <a:r>
-              <a:rPr lang="fr-FR" sz="8000" b="1" dirty="0" smtClean="0">
+              <a:rPr lang="en" sz="8000" b="1" dirty="0" smtClean="0">
                 <a:solidFill>
                   <a:schemeClr val="bg1"/>
                 </a:solidFill>
@@ -3479,10 +3410,13 @@
                 <a:ea typeface="Verdana" panose="020B0604030504040204" pitchFamily="34" charset="0"/>
                 <a:cs typeface="Segoe UI" panose="020B0502040204020203" pitchFamily="34" charset="0"/>
               </a:rPr>
-              <a:t>The </a:t>
-            </a:r>
-            <a:r>
-              <a:rPr lang="fr-FR" sz="8000" b="1" dirty="0" err="1" smtClean="0">
+              <a:t>Cards and multi</a:t>
+            </a:r>
+          </a:p>
+          <a:p>
+            <a:pPr algn="ctr"/>
+            <a:r>
+              <a:rPr lang="en" sz="8000" b="1" dirty="0" smtClean="0">
                 <a:solidFill>
                   <a:schemeClr val="bg1"/>
                 </a:solidFill>
@@ -3490,65 +3424,7 @@
                 <a:ea typeface="Verdana" panose="020B0604030504040204" pitchFamily="34" charset="0"/>
                 <a:cs typeface="Segoe UI" panose="020B0502040204020203" pitchFamily="34" charset="0"/>
               </a:rPr>
-              <a:t>Cards</a:t>
-            </a:r>
-            <a:r>
-              <a:rPr lang="fr-FR" sz="8000" b="1" dirty="0" smtClean="0">
-                <a:solidFill>
-                  <a:schemeClr val="bg1"/>
-                </a:solidFill>
-                <a:latin typeface="Segoe UI" panose="020B0502040204020203" pitchFamily="34" charset="0"/>
-                <a:ea typeface="Verdana" panose="020B0604030504040204" pitchFamily="34" charset="0"/>
-                <a:cs typeface="Segoe UI" panose="020B0502040204020203" pitchFamily="34" charset="0"/>
-              </a:rPr>
-              <a:t> and</a:t>
-            </a:r>
-          </a:p>
-          <a:p>
-            <a:pPr algn="ctr"/>
-            <a:r>
-              <a:rPr lang="fr-FR" sz="8000" b="1" dirty="0" smtClean="0">
-                <a:solidFill>
-                  <a:schemeClr val="bg1"/>
-                </a:solidFill>
-                <a:latin typeface="Segoe UI" panose="020B0502040204020203" pitchFamily="34" charset="0"/>
-                <a:ea typeface="Verdana" panose="020B0604030504040204" pitchFamily="34" charset="0"/>
-                <a:cs typeface="Segoe UI" panose="020B0502040204020203" pitchFamily="34" charset="0"/>
-              </a:rPr>
-              <a:t>Multi </a:t>
-            </a:r>
-            <a:r>
-              <a:rPr lang="fr-FR" sz="8000" b="1" dirty="0" err="1" smtClean="0">
-                <a:solidFill>
-                  <a:schemeClr val="bg1"/>
-                </a:solidFill>
-                <a:latin typeface="Segoe UI" panose="020B0502040204020203" pitchFamily="34" charset="0"/>
-                <a:ea typeface="Verdana" panose="020B0604030504040204" pitchFamily="34" charset="0"/>
-                <a:cs typeface="Segoe UI" panose="020B0502040204020203" pitchFamily="34" charset="0"/>
-              </a:rPr>
-              <a:t>rows</a:t>
-            </a:r>
-            <a:r>
-              <a:rPr lang="fr-FR" sz="8000" b="1" dirty="0" smtClean="0">
-                <a:solidFill>
-                  <a:schemeClr val="bg1"/>
-                </a:solidFill>
-                <a:latin typeface="Segoe UI" panose="020B0502040204020203" pitchFamily="34" charset="0"/>
-                <a:ea typeface="Verdana" panose="020B0604030504040204" pitchFamily="34" charset="0"/>
-                <a:cs typeface="Segoe UI" panose="020B0502040204020203" pitchFamily="34" charset="0"/>
-              </a:rPr>
-              <a:t> </a:t>
-            </a:r>
-            <a:r>
-              <a:rPr lang="fr-FR" sz="8000" b="1" dirty="0" err="1" smtClean="0">
-                <a:solidFill>
-                  <a:schemeClr val="bg1"/>
-                </a:solidFill>
-                <a:latin typeface="Segoe UI" panose="020B0502040204020203" pitchFamily="34" charset="0"/>
-                <a:ea typeface="Verdana" panose="020B0604030504040204" pitchFamily="34" charset="0"/>
-                <a:cs typeface="Segoe UI" panose="020B0502040204020203" pitchFamily="34" charset="0"/>
-              </a:rPr>
-              <a:t>Cards</a:t>
+              <a:t>rows cards</a:t>
             </a:r>
             <a:endParaRPr lang="en-US" sz="8000" b="1" dirty="0">
               <a:solidFill>
@@ -3614,18 +3490,11 @@
           <a:lstStyle/>
           <a:p>
             <a:r>
-              <a:rPr lang="en-US" sz="2400" dirty="0" smtClean="0">
+              <a:rPr lang="en" sz="2400" dirty="0" smtClean="0">
                 <a:latin typeface="Segoe UI" panose="020B0502040204020203" pitchFamily="34" charset="0"/>
                 <a:cs typeface="Segoe UI" panose="020B0502040204020203" pitchFamily="34" charset="0"/>
               </a:rPr>
-              <a:t>The </a:t>
-            </a:r>
-            <a:r>
-              <a:rPr lang="en-US" sz="2400" dirty="0" smtClean="0">
-                <a:latin typeface="Segoe UI" panose="020B0502040204020203" pitchFamily="34" charset="0"/>
-                <a:cs typeface="Segoe UI" panose="020B0502040204020203" pitchFamily="34" charset="0"/>
-              </a:rPr>
-              <a:t>Cards and Multi rows Cards</a:t>
+              <a:t>Cards and Multi-Row Cards</a:t>
             </a:r>
             <a:endParaRPr lang="en-US" sz="2400" dirty="0">
               <a:latin typeface="Segoe UI" panose="020B0502040204020203" pitchFamily="34" charset="0"/>
@@ -3664,7 +3533,7 @@
               </a:spcAft>
             </a:pPr>
             <a:r>
-              <a:rPr lang="fr-FR" dirty="0" err="1" smtClean="0">
+              <a:rPr lang="en" dirty="0" err="1" smtClean="0">
                 <a:latin typeface="Segoe UI" panose="020B0502040204020203" pitchFamily="34" charset="0"/>
                 <a:ea typeface="Calibri" panose="020F0502020204030204" pitchFamily="34" charset="0"/>
                 <a:cs typeface="Times New Roman" panose="02020603050405020304" pitchFamily="18" charset="0"/>
@@ -3672,7 +3541,7 @@
               <a:t>Add</a:t>
             </a:r>
             <a:r>
-              <a:rPr lang="fr-FR" b="1" dirty="0" smtClean="0">
+              <a:rPr lang="en" b="1" dirty="0" smtClean="0">
                 <a:latin typeface="Segoe UI" panose="020B0502040204020203" pitchFamily="34" charset="0"/>
                 <a:ea typeface="Calibri" panose="020F0502020204030204" pitchFamily="34" charset="0"/>
                 <a:cs typeface="Times New Roman" panose="02020603050405020304" pitchFamily="18" charset="0"/>
@@ -3680,15 +3549,15 @@
               <a:t> </a:t>
             </a:r>
             <a:r>
-              <a:rPr lang="fr-FR" b="1" dirty="0" err="1" smtClean="0">
+              <a:rPr lang="en" b="1" dirty="0" err="1" smtClean="0">
                 <a:latin typeface="Segoe UI" panose="020B0502040204020203" pitchFamily="34" charset="0"/>
                 <a:ea typeface="Calibri" panose="020F0502020204030204" pitchFamily="34" charset="0"/>
                 <a:cs typeface="Times New Roman" panose="02020603050405020304" pitchFamily="18" charset="0"/>
               </a:rPr>
-              <a:t>Card</a:t>
-            </a:r>
-            <a:r>
-              <a:rPr lang="fr-FR" b="1" dirty="0" smtClean="0">
+              <a:t>Map</a:t>
+            </a:r>
+            <a:r>
+              <a:rPr lang="en" b="1" dirty="0" smtClean="0">
                 <a:latin typeface="Segoe UI" panose="020B0502040204020203" pitchFamily="34" charset="0"/>
                 <a:ea typeface="Calibri" panose="020F0502020204030204" pitchFamily="34" charset="0"/>
                 <a:cs typeface="Times New Roman" panose="02020603050405020304" pitchFamily="18" charset="0"/>
@@ -3696,28 +3565,28 @@
               <a:t> </a:t>
             </a:r>
             <a:r>
-              <a:rPr lang="fr-FR" dirty="0" err="1">
+              <a:rPr lang="en" dirty="0" err="1">
                 <a:latin typeface="Segoe UI" panose="020B0502040204020203" pitchFamily="34" charset="0"/>
                 <a:ea typeface="Calibri" panose="020F0502020204030204" pitchFamily="34" charset="0"/>
                 <a:cs typeface="Times New Roman" panose="02020603050405020304" pitchFamily="18" charset="0"/>
               </a:rPr>
-              <a:t>Visualization</a:t>
-            </a:r>
-            <a:r>
-              <a:rPr lang="fr-FR" dirty="0">
+              <a:t>From visualization </a:t>
+            </a:r>
+            <a:r>
+              <a:rPr lang="en" dirty="0">
                 <a:latin typeface="Segoe UI" panose="020B0502040204020203" pitchFamily="34" charset="0"/>
                 <a:ea typeface="Calibri" panose="020F0502020204030204" pitchFamily="34" charset="0"/>
                 <a:cs typeface="Times New Roman" panose="02020603050405020304" pitchFamily="18" charset="0"/>
               </a:rPr>
-              <a:t> to </a:t>
-            </a:r>
-            <a:r>
-              <a:rPr lang="fr-FR" dirty="0" err="1">
+              <a:t>to </a:t>
+            </a:r>
+            <a:r>
+              <a:rPr lang="en" dirty="0" err="1">
                 <a:latin typeface="Segoe UI" panose="020B0502040204020203" pitchFamily="34" charset="0"/>
                 <a:ea typeface="Calibri" panose="020F0502020204030204" pitchFamily="34" charset="0"/>
                 <a:cs typeface="Times New Roman" panose="02020603050405020304" pitchFamily="18" charset="0"/>
               </a:rPr>
-              <a:t>Scene</a:t>
+              <a:t>stage</a:t>
             </a:r>
             <a:endParaRPr lang="en-US" sz="1400" dirty="0">
               <a:effectLst/>
@@ -3750,91 +3619,70 @@
           <a:lstStyle/>
           <a:p>
             <a:r>
-              <a:rPr lang="fr-FR" dirty="0" err="1">
+              <a:rPr lang="en" dirty="0" err="1">
                 <a:latin typeface="Segoe UI" panose="020B0502040204020203" pitchFamily="34" charset="0"/>
                 <a:ea typeface="Calibri" panose="020F0502020204030204" pitchFamily="34" charset="0"/>
               </a:rPr>
               <a:t>Add</a:t>
             </a:r>
             <a:r>
-              <a:rPr lang="fr-FR" dirty="0">
+              <a:rPr lang="en" dirty="0">
                 <a:latin typeface="Segoe UI" panose="020B0502040204020203" pitchFamily="34" charset="0"/>
                 <a:ea typeface="Calibri" panose="020F0502020204030204" pitchFamily="34" charset="0"/>
               </a:rPr>
               <a:t> </a:t>
             </a:r>
             <a:r>
-              <a:rPr lang="fr-FR" b="1" dirty="0" err="1" smtClean="0">
+              <a:rPr lang="en" b="1" dirty="0" err="1" smtClean="0">
                 <a:latin typeface="Segoe UI" panose="020B0502040204020203" pitchFamily="34" charset="0"/>
                 <a:ea typeface="Calibri" panose="020F0502020204030204" pitchFamily="34" charset="0"/>
               </a:rPr>
-              <a:t>Order</a:t>
-            </a:r>
-            <a:r>
-              <a:rPr lang="fr-FR" b="1" dirty="0" err="1" smtClean="0">
+              <a:t>OrderQuantity </a:t>
+            </a:r>
+            <a:r>
+              <a:rPr lang="en" dirty="0" smtClean="0">
                 <a:latin typeface="Segoe UI" panose="020B0502040204020203" pitchFamily="34" charset="0"/>
                 <a:ea typeface="Calibri" panose="020F0502020204030204" pitchFamily="34" charset="0"/>
               </a:rPr>
-              <a:t>Quantity</a:t>
-            </a:r>
-            <a:r>
-              <a:rPr lang="fr-FR" dirty="0" smtClean="0">
+              <a:t>of </a:t>
+            </a:r>
+            <a:r>
+              <a:rPr lang="en" b="1" dirty="0" err="1" smtClean="0">
                 <a:latin typeface="Segoe UI" panose="020B0502040204020203" pitchFamily="34" charset="0"/>
                 <a:ea typeface="Calibri" panose="020F0502020204030204" pitchFamily="34" charset="0"/>
               </a:rPr>
-              <a:t> of </a:t>
-            </a:r>
-            <a:r>
-              <a:rPr lang="fr-FR" b="1" dirty="0" err="1" smtClean="0">
+              <a:t>FactsInternetField </a:t>
+            </a:r>
+            <a:r>
+              <a:rPr lang="en" dirty="0" smtClean="0">
                 <a:latin typeface="Segoe UI" panose="020B0502040204020203" pitchFamily="34" charset="0"/>
                 <a:ea typeface="Calibri" panose="020F0502020204030204" pitchFamily="34" charset="0"/>
               </a:rPr>
-              <a:t>FactInternetSales</a:t>
-            </a:r>
-            <a:r>
-              <a:rPr lang="fr-FR" dirty="0" smtClean="0">
+              <a:t>Sales</a:t>
+            </a:r>
+            <a:r>
+              <a:rPr lang="en" b="1" dirty="0" smtClean="0">
+                <a:latin typeface="Segoe UI" panose="020B0502040204020203" pitchFamily="34" charset="0"/>
+                <a:ea typeface="Calibri" panose="020F0502020204030204" pitchFamily="34" charset="0"/>
+              </a:rPr>
+              <a:t>​</a:t>
+            </a:r>
+            <a:r>
+              <a:rPr lang="en" dirty="0" smtClean="0">
                 <a:latin typeface="Segoe UI" panose="020B0502040204020203" pitchFamily="34" charset="0"/>
                 <a:ea typeface="Calibri" panose="020F0502020204030204" pitchFamily="34" charset="0"/>
               </a:rPr>
               <a:t> </a:t>
             </a:r>
             <a:r>
-              <a:rPr lang="fr-FR" dirty="0" smtClean="0">
+              <a:rPr lang="en" dirty="0" err="1" smtClean="0">
                 <a:latin typeface="Segoe UI" panose="020B0502040204020203" pitchFamily="34" charset="0"/>
                 <a:ea typeface="Calibri" panose="020F0502020204030204" pitchFamily="34" charset="0"/>
               </a:rPr>
-              <a:t>to </a:t>
-            </a:r>
-            <a:r>
-              <a:rPr lang="fr-FR" dirty="0">
-                <a:latin typeface="Segoe UI" panose="020B0502040204020203" pitchFamily="34" charset="0"/>
-                <a:ea typeface="Calibri" panose="020F0502020204030204" pitchFamily="34" charset="0"/>
-              </a:rPr>
-              <a:t>the </a:t>
-            </a:r>
-            <a:r>
-              <a:rPr lang="fr-FR" b="1" dirty="0" smtClean="0">
-                <a:latin typeface="Segoe UI" panose="020B0502040204020203" pitchFamily="34" charset="0"/>
-                <a:ea typeface="Calibri" panose="020F0502020204030204" pitchFamily="34" charset="0"/>
-              </a:rPr>
-              <a:t>Fields </a:t>
-            </a:r>
-            <a:r>
-              <a:rPr lang="fr-FR" dirty="0" smtClean="0">
-                <a:latin typeface="Segoe UI" panose="020B0502040204020203" pitchFamily="34" charset="0"/>
-                <a:ea typeface="Calibri" panose="020F0502020204030204" pitchFamily="34" charset="0"/>
-              </a:rPr>
-              <a:t> </a:t>
-            </a:r>
-            <a:r>
-              <a:rPr lang="fr-FR" dirty="0" err="1" smtClean="0">
-                <a:latin typeface="Segoe UI" panose="020B0502040204020203" pitchFamily="34" charset="0"/>
-                <a:ea typeface="Calibri" panose="020F0502020204030204" pitchFamily="34" charset="0"/>
-              </a:rPr>
-              <a:t>parameter</a:t>
-            </a:r>
-            <a:r>
-              <a:rPr lang="fr-FR" b="1" dirty="0" smtClean="0">
+              <a:t>setting</a:t>
+            </a:r>
+            <a:r>
+              <a:rPr lang="en" b="1" dirty="0" smtClean="0">
                 <a:latin typeface="Segoe UI" panose="020B0502040204020203" pitchFamily="34" charset="0"/>
                 <a:ea typeface="Calibri" panose="020F0502020204030204" pitchFamily="34" charset="0"/>
               </a:rPr>
@@ -3874,36 +3722,20 @@
               </a:spcAft>
             </a:pPr>
             <a:r>
-              <a:rPr lang="en-US" b="1" dirty="0" smtClean="0">
+              <a:rPr lang="en" b="1" dirty="0" smtClean="0">
                 <a:latin typeface="Segoe UI" panose="020B0502040204020203" pitchFamily="34" charset="0"/>
                 <a:ea typeface="Calibri" panose="020F0502020204030204" pitchFamily="34" charset="0"/>
                 <a:cs typeface="Times New Roman" panose="02020603050405020304" pitchFamily="18" charset="0"/>
               </a:rPr>
-              <a:t>Note: </a:t>
-            </a:r>
-            <a:r>
-              <a:rPr lang="en-US" dirty="0" smtClean="0">
+              <a:t>Note: This lab uses the AdventureWorksDW2016 </a:t>
+            </a:r>
+            <a:r>
+              <a:rPr lang="en" dirty="0" smtClean="0">
                 <a:latin typeface="Segoe UI" panose="020B0502040204020203" pitchFamily="34" charset="0"/>
                 <a:ea typeface="Calibri" panose="020F0502020204030204" pitchFamily="34" charset="0"/>
                 <a:cs typeface="Times New Roman" panose="02020603050405020304" pitchFamily="18" charset="0"/>
               </a:rPr>
-              <a:t> This lab is using </a:t>
-            </a:r>
-            <a:r>
-              <a:rPr lang="en-US" b="1" dirty="0" smtClean="0">
-                <a:latin typeface="Segoe UI" panose="020B0502040204020203" pitchFamily="34" charset="0"/>
-                <a:ea typeface="Calibri" panose="020F0502020204030204" pitchFamily="34" charset="0"/>
-                <a:cs typeface="Times New Roman" panose="02020603050405020304" pitchFamily="18" charset="0"/>
-              </a:rPr>
-              <a:t>AdventureWorksDW2016</a:t>
-            </a:r>
-            <a:r>
-              <a:rPr lang="en-US" dirty="0" smtClean="0">
-                <a:latin typeface="Segoe UI" panose="020B0502040204020203" pitchFamily="34" charset="0"/>
-                <a:ea typeface="Calibri" panose="020F0502020204030204" pitchFamily="34" charset="0"/>
-                <a:cs typeface="Times New Roman" panose="02020603050405020304" pitchFamily="18" charset="0"/>
-              </a:rPr>
-              <a:t> database</a:t>
+              <a:t>database</a:t>
             </a:r>
             <a:endParaRPr lang="en-US" sz="1400" dirty="0">
               <a:effectLst/>
@@ -4042,7 +3874,7 @@
               </a:spcAft>
             </a:pPr>
             <a:r>
-              <a:rPr lang="fr-FR" dirty="0">
+              <a:rPr lang="en" dirty="0">
                 <a:latin typeface="Segoe UI" panose="020B0502040204020203" pitchFamily="34" charset="0"/>
                 <a:ea typeface="Calibri" panose="020F0502020204030204" pitchFamily="34" charset="0"/>
                 <a:cs typeface="Times New Roman" panose="02020603050405020304" pitchFamily="18" charset="0"/>
@@ -4050,23 +3882,23 @@
               <a:t>Change </a:t>
             </a:r>
             <a:r>
-              <a:rPr lang="fr-FR" dirty="0" err="1">
+              <a:rPr lang="en" dirty="0" err="1">
                 <a:latin typeface="Segoe UI" panose="020B0502040204020203" pitchFamily="34" charset="0"/>
                 <a:ea typeface="Calibri" panose="020F0502020204030204" pitchFamily="34" charset="0"/>
                 <a:cs typeface="Times New Roman" panose="02020603050405020304" pitchFamily="18" charset="0"/>
               </a:rPr>
-              <a:t>visualization</a:t>
-            </a:r>
-            <a:r>
-              <a:rPr lang="fr-FR" dirty="0">
+              <a:t>the visualization </a:t>
+            </a:r>
+            <a:r>
+              <a:rPr lang="en" dirty="0">
                 <a:latin typeface="Segoe UI" panose="020B0502040204020203" pitchFamily="34" charset="0"/>
                 <a:ea typeface="Calibri" panose="020F0502020204030204" pitchFamily="34" charset="0"/>
                 <a:cs typeface="Times New Roman" panose="02020603050405020304" pitchFamily="18" charset="0"/>
               </a:rPr>
-              <a:t> to </a:t>
-            </a:r>
-            <a:r>
-              <a:rPr lang="fr-FR" b="1" dirty="0" err="1">
+              <a:t>to </a:t>
+            </a:r>
+            <a:r>
+              <a:rPr lang="en" b="1" dirty="0" err="1">
                 <a:latin typeface="Segoe UI" panose="020B0502040204020203" pitchFamily="34" charset="0"/>
                 <a:ea typeface="Calibri" panose="020F0502020204030204" pitchFamily="34" charset="0"/>
                 <a:cs typeface="Times New Roman" panose="02020603050405020304" pitchFamily="18" charset="0"/>
@@ -4074,7 +3906,7 @@
               <a:t>MultirowCard</a:t>
             </a:r>
             <a:r>
-              <a:rPr lang="fr-FR" b="1" dirty="0">
+              <a:rPr lang="en" b="1" dirty="0">
                 <a:latin typeface="Segoe UI" panose="020B0502040204020203" pitchFamily="34" charset="0"/>
                 <a:ea typeface="Calibri" panose="020F0502020204030204" pitchFamily="34" charset="0"/>
                 <a:cs typeface="Times New Roman" panose="02020603050405020304" pitchFamily="18" charset="0"/>
@@ -4082,7 +3914,7 @@
               <a:t> </a:t>
             </a:r>
             <a:r>
-              <a:rPr lang="fr-FR" dirty="0">
+              <a:rPr lang="en" dirty="0">
                 <a:latin typeface="Segoe UI" panose="020B0502040204020203" pitchFamily="34" charset="0"/>
                 <a:ea typeface="Calibri" panose="020F0502020204030204" pitchFamily="34" charset="0"/>
                 <a:cs typeface="Times New Roman" panose="02020603050405020304" pitchFamily="18" charset="0"/>
@@ -4090,7 +3922,7 @@
               <a:t>on stage </a:t>
             </a:r>
             <a:r>
-              <a:rPr lang="fr-FR" dirty="0" err="1">
+              <a:rPr lang="en" dirty="0" err="1">
                 <a:latin typeface="Segoe UI" panose="020B0502040204020203" pitchFamily="34" charset="0"/>
                 <a:ea typeface="Calibri" panose="020F0502020204030204" pitchFamily="34" charset="0"/>
                 <a:cs typeface="Times New Roman" panose="02020603050405020304" pitchFamily="18" charset="0"/>
@@ -4128,53 +3960,53 @@
           <a:lstStyle/>
           <a:p>
             <a:r>
-              <a:rPr lang="en-US" dirty="0" smtClean="0">
+              <a:rPr lang="en" dirty="0" smtClean="0">
                 <a:latin typeface="Segoe UI" panose="020B0502040204020203" pitchFamily="34" charset="0"/>
                 <a:ea typeface="Calibri" panose="020F0502020204030204" pitchFamily="34" charset="0"/>
               </a:rPr>
               <a:t>Add</a:t>
             </a:r>
             <a:r>
-              <a:rPr lang="en-US" b="1" dirty="0" smtClean="0">
+              <a:rPr lang="en" b="1" dirty="0" smtClean="0">
                 <a:latin typeface="Segoe UI" panose="020B0502040204020203" pitchFamily="34" charset="0"/>
                 <a:ea typeface="Calibri" panose="020F0502020204030204" pitchFamily="34" charset="0"/>
               </a:rPr>
               <a:t> </a:t>
             </a:r>
             <a:r>
-              <a:rPr lang="en-US" b="1" dirty="0" err="1" smtClean="0">
+              <a:rPr lang="en" b="1" dirty="0" err="1" smtClean="0">
                 <a:latin typeface="Segoe UI" panose="020B0502040204020203" pitchFamily="34" charset="0"/>
                 <a:ea typeface="Calibri" panose="020F0502020204030204" pitchFamily="34" charset="0"/>
               </a:rPr>
-              <a:t>CalendarYear</a:t>
-            </a:r>
-            <a:r>
-              <a:rPr lang="en-US" b="1" dirty="0" smtClean="0">
+              <a:t>Calendar year</a:t>
+            </a:r>
+            <a:r>
+              <a:rPr lang="en" b="1" dirty="0" smtClean="0">
                 <a:latin typeface="Segoe UI" panose="020B0502040204020203" pitchFamily="34" charset="0"/>
                 <a:ea typeface="Calibri" panose="020F0502020204030204" pitchFamily="34" charset="0"/>
               </a:rPr>
               <a:t> </a:t>
             </a:r>
             <a:r>
-              <a:rPr lang="en-US" dirty="0" smtClean="0">
+              <a:rPr lang="en" dirty="0" smtClean="0">
                 <a:latin typeface="Segoe UI" panose="020B0502040204020203" pitchFamily="34" charset="0"/>
                 <a:ea typeface="Calibri" panose="020F0502020204030204" pitchFamily="34" charset="0"/>
               </a:rPr>
-              <a:t>of </a:t>
-            </a:r>
-            <a:r>
-              <a:rPr lang="en-US" b="1" dirty="0" err="1" smtClean="0">
+              <a:t>from </a:t>
+            </a:r>
+            <a:r>
+              <a:rPr lang="en" b="1" dirty="0" err="1" smtClean="0">
                 <a:latin typeface="Segoe UI" panose="020B0502040204020203" pitchFamily="34" charset="0"/>
                 <a:ea typeface="Calibri" panose="020F0502020204030204" pitchFamily="34" charset="0"/>
               </a:rPr>
-              <a:t>DimDate</a:t>
-            </a:r>
-            <a:r>
-              <a:rPr lang="en-US" dirty="0" smtClean="0">
+              <a:t>DimDate </a:t>
+            </a:r>
+            <a:r>
+              <a:rPr lang="en" dirty="0" smtClean="0">
                 <a:latin typeface="Segoe UI" panose="020B0502040204020203" pitchFamily="34" charset="0"/>
                 <a:ea typeface="Calibri" panose="020F0502020204030204" pitchFamily="34" charset="0"/>
               </a:rPr>
-              <a:t> and deactivate Summarization on it </a:t>
+              <a:t>and disable the summary on it</a:t>
             </a:r>
             <a:endParaRPr lang="en-US" dirty="0"/>
           </a:p>
@@ -4203,18 +4035,11 @@
           <a:lstStyle/>
           <a:p>
             <a:r>
-              <a:rPr lang="en-US" sz="2400" dirty="0" smtClean="0">
+              <a:rPr lang="en" sz="2400" dirty="0" smtClean="0">
                 <a:latin typeface="Segoe UI" panose="020B0502040204020203" pitchFamily="34" charset="0"/>
                 <a:cs typeface="Segoe UI" panose="020B0502040204020203" pitchFamily="34" charset="0"/>
               </a:rPr>
-              <a:t>The </a:t>
-            </a:r>
-            <a:r>
-              <a:rPr lang="en-US" sz="2400" dirty="0" smtClean="0">
-                <a:latin typeface="Segoe UI" panose="020B0502040204020203" pitchFamily="34" charset="0"/>
-                <a:cs typeface="Segoe UI" panose="020B0502040204020203" pitchFamily="34" charset="0"/>
-              </a:rPr>
-              <a:t>Cards</a:t>
+              <a:t>The cards</a:t>
             </a:r>
             <a:endParaRPr lang="en-US" sz="2400" dirty="0">
               <a:latin typeface="Segoe UI" panose="020B0502040204020203" pitchFamily="34" charset="0"/>
@@ -4487,7 +4312,7 @@
         </p:nvSpPr>
         <p:spPr>
           <a:xfrm>
-            <a:off x="2916199" y="2162433"/>
+            <a:off x="2819947" y="2375564"/>
             <a:ext cx="6230360" cy="1569660"/>
           </a:xfrm>
           <a:prstGeom prst="rect">
@@ -4531,7 +4356,7 @@
         </p:nvSpPr>
         <p:spPr>
           <a:xfrm>
-            <a:off x="2990336" y="2217861"/>
+            <a:off x="2894084" y="2430992"/>
             <a:ext cx="6230360" cy="1569660"/>
           </a:xfrm>
           <a:prstGeom prst="rect">

--- a/English/6.Visuals/8.The Cards and Multi rows Cards.pptx
+++ b/English/6.Visuals/8.The Cards and Multi rows Cards.pptx
@@ -200,7 +200,7 @@
           <a:p>
             <a:fld id="{056BA3B8-9F76-4D81-B71D-76CB85363062}" type="datetimeFigureOut">
               <a:rPr lang="en-US" smtClean="0"/>
-              <a:t>4/3/2025</a:t>
+              <a:t>4/6/2025</a:t>
             </a:fld>
             <a:endParaRPr lang="en-US"/>
           </a:p>
@@ -599,7 +599,7 @@
           <a:p>
             <a:fld id="{6F01DA4D-20EA-48D2-973C-0311EC3005D6}" type="datetimeFigureOut">
               <a:rPr lang="en-US" smtClean="0"/>
-              <a:t>4/3/2025</a:t>
+              <a:t>4/6/2025</a:t>
             </a:fld>
             <a:endParaRPr lang="en-US"/>
           </a:p>
@@ -769,7 +769,7 @@
           <a:p>
             <a:fld id="{6F01DA4D-20EA-48D2-973C-0311EC3005D6}" type="datetimeFigureOut">
               <a:rPr lang="en-US" smtClean="0"/>
-              <a:t>4/3/2025</a:t>
+              <a:t>4/6/2025</a:t>
             </a:fld>
             <a:endParaRPr lang="en-US"/>
           </a:p>
@@ -949,7 +949,7 @@
           <a:p>
             <a:fld id="{6F01DA4D-20EA-48D2-973C-0311EC3005D6}" type="datetimeFigureOut">
               <a:rPr lang="en-US" smtClean="0"/>
-              <a:t>4/3/2025</a:t>
+              <a:t>4/6/2025</a:t>
             </a:fld>
             <a:endParaRPr lang="en-US"/>
           </a:p>
@@ -1119,7 +1119,7 @@
           <a:p>
             <a:fld id="{6F01DA4D-20EA-48D2-973C-0311EC3005D6}" type="datetimeFigureOut">
               <a:rPr lang="en-US" smtClean="0"/>
-              <a:t>4/3/2025</a:t>
+              <a:t>4/6/2025</a:t>
             </a:fld>
             <a:endParaRPr lang="en-US"/>
           </a:p>
@@ -1365,7 +1365,7 @@
           <a:p>
             <a:fld id="{6F01DA4D-20EA-48D2-973C-0311EC3005D6}" type="datetimeFigureOut">
               <a:rPr lang="en-US" smtClean="0"/>
-              <a:t>4/3/2025</a:t>
+              <a:t>4/6/2025</a:t>
             </a:fld>
             <a:endParaRPr lang="en-US"/>
           </a:p>
@@ -1597,7 +1597,7 @@
           <a:p>
             <a:fld id="{6F01DA4D-20EA-48D2-973C-0311EC3005D6}" type="datetimeFigureOut">
               <a:rPr lang="en-US" smtClean="0"/>
-              <a:t>4/3/2025</a:t>
+              <a:t>4/6/2025</a:t>
             </a:fld>
             <a:endParaRPr lang="en-US"/>
           </a:p>
@@ -1964,7 +1964,7 @@
           <a:p>
             <a:fld id="{6F01DA4D-20EA-48D2-973C-0311EC3005D6}" type="datetimeFigureOut">
               <a:rPr lang="en-US" smtClean="0"/>
-              <a:t>4/3/2025</a:t>
+              <a:t>4/6/2025</a:t>
             </a:fld>
             <a:endParaRPr lang="en-US"/>
           </a:p>
@@ -2082,7 +2082,7 @@
           <a:p>
             <a:fld id="{6F01DA4D-20EA-48D2-973C-0311EC3005D6}" type="datetimeFigureOut">
               <a:rPr lang="en-US" smtClean="0"/>
-              <a:t>4/3/2025</a:t>
+              <a:t>4/6/2025</a:t>
             </a:fld>
             <a:endParaRPr lang="en-US"/>
           </a:p>
@@ -2177,7 +2177,7 @@
           <a:p>
             <a:fld id="{6F01DA4D-20EA-48D2-973C-0311EC3005D6}" type="datetimeFigureOut">
               <a:rPr lang="en-US" smtClean="0"/>
-              <a:t>4/3/2025</a:t>
+              <a:t>4/6/2025</a:t>
             </a:fld>
             <a:endParaRPr lang="en-US"/>
           </a:p>
@@ -2454,7 +2454,7 @@
           <a:p>
             <a:fld id="{6F01DA4D-20EA-48D2-973C-0311EC3005D6}" type="datetimeFigureOut">
               <a:rPr lang="en-US" smtClean="0"/>
-              <a:t>4/3/2025</a:t>
+              <a:t>4/6/2025</a:t>
             </a:fld>
             <a:endParaRPr lang="en-US"/>
           </a:p>
@@ -2707,7 +2707,7 @@
           <a:p>
             <a:fld id="{6F01DA4D-20EA-48D2-973C-0311EC3005D6}" type="datetimeFigureOut">
               <a:rPr lang="en-US" smtClean="0"/>
-              <a:t>4/3/2025</a:t>
+              <a:t>4/6/2025</a:t>
             </a:fld>
             <a:endParaRPr lang="en-US"/>
           </a:p>
@@ -2920,7 +2920,7 @@
           <a:p>
             <a:fld id="{6F01DA4D-20EA-48D2-973C-0311EC3005D6}" type="datetimeFigureOut">
               <a:rPr lang="en-US" smtClean="0"/>
-              <a:t>4/3/2025</a:t>
+              <a:t>4/6/2025</a:t>
             </a:fld>
             <a:endParaRPr lang="en-US"/>
           </a:p>
@@ -3512,14 +3512,14 @@
         <p:spPr>
           <a:xfrm>
             <a:off x="419299" y="1440228"/>
-            <a:ext cx="3474541" cy="388696"/>
+            <a:ext cx="4620214" cy="388696"/>
           </a:xfrm>
           <a:prstGeom prst="rect">
             <a:avLst/>
           </a:prstGeom>
         </p:spPr>
         <p:txBody>
-          <a:bodyPr wrap="none">
+          <a:bodyPr wrap="square">
             <a:spAutoFit/>
           </a:bodyPr>
           <a:lstStyle/>
@@ -3533,7 +3533,7 @@
               </a:spcAft>
             </a:pPr>
             <a:r>
-              <a:rPr lang="en" dirty="0" err="1" smtClean="0">
+              <a:rPr lang="en" dirty="0" smtClean="0">
                 <a:latin typeface="Segoe UI" panose="020B0502040204020203" pitchFamily="34" charset="0"/>
                 <a:ea typeface="Calibri" panose="020F0502020204030204" pitchFamily="34" charset="0"/>
                 <a:cs typeface="Times New Roman" panose="02020603050405020304" pitchFamily="18" charset="0"/>
@@ -3549,28 +3549,12 @@
               <a:t> </a:t>
             </a:r>
             <a:r>
-              <a:rPr lang="en" b="1" dirty="0" err="1" smtClean="0">
-                <a:latin typeface="Segoe UI" panose="020B0502040204020203" pitchFamily="34" charset="0"/>
-                <a:ea typeface="Calibri" panose="020F0502020204030204" pitchFamily="34" charset="0"/>
-                <a:cs typeface="Times New Roman" panose="02020603050405020304" pitchFamily="18" charset="0"/>
-              </a:rPr>
-              <a:t>Map</a:t>
-            </a:r>
-            <a:r>
               <a:rPr lang="en" b="1" dirty="0" smtClean="0">
                 <a:latin typeface="Segoe UI" panose="020B0502040204020203" pitchFamily="34" charset="0"/>
                 <a:ea typeface="Calibri" panose="020F0502020204030204" pitchFamily="34" charset="0"/>
                 <a:cs typeface="Times New Roman" panose="02020603050405020304" pitchFamily="18" charset="0"/>
               </a:rPr>
-              <a:t> </a:t>
-            </a:r>
-            <a:r>
-              <a:rPr lang="en" dirty="0" err="1">
-                <a:latin typeface="Segoe UI" panose="020B0502040204020203" pitchFamily="34" charset="0"/>
-                <a:ea typeface="Calibri" panose="020F0502020204030204" pitchFamily="34" charset="0"/>
-                <a:cs typeface="Times New Roman" panose="02020603050405020304" pitchFamily="18" charset="0"/>
-              </a:rPr>
-              <a:t>From visualization </a:t>
+              <a:t>Card </a:t>
             </a:r>
             <a:r>
               <a:rPr lang="en" dirty="0">
@@ -3578,15 +3562,15 @@
                 <a:ea typeface="Calibri" panose="020F0502020204030204" pitchFamily="34" charset="0"/>
                 <a:cs typeface="Times New Roman" panose="02020603050405020304" pitchFamily="18" charset="0"/>
               </a:rPr>
-              <a:t>to </a:t>
-            </a:r>
-            <a:r>
-              <a:rPr lang="en" dirty="0" err="1">
+              <a:t>From </a:t>
+            </a:r>
+            <a:r>
+              <a:rPr lang="en" dirty="0" smtClean="0">
                 <a:latin typeface="Segoe UI" panose="020B0502040204020203" pitchFamily="34" charset="0"/>
                 <a:ea typeface="Calibri" panose="020F0502020204030204" pitchFamily="34" charset="0"/>
                 <a:cs typeface="Times New Roman" panose="02020603050405020304" pitchFamily="18" charset="0"/>
               </a:rPr>
-              <a:t>stage</a:t>
+              <a:t>visualization panel</a:t>
             </a:r>
             <a:endParaRPr lang="en-US" sz="1400" dirty="0">
               <a:effectLst/>
@@ -3619,25 +3603,25 @@
           <a:lstStyle/>
           <a:p>
             <a:r>
-              <a:rPr lang="en" dirty="0" err="1">
-                <a:latin typeface="Segoe UI" panose="020B0502040204020203" pitchFamily="34" charset="0"/>
-                <a:ea typeface="Calibri" panose="020F0502020204030204" pitchFamily="34" charset="0"/>
-              </a:rPr>
-              <a:t>Add</a:t>
-            </a:r>
-            <a:r>
               <a:rPr lang="en" dirty="0">
                 <a:latin typeface="Segoe UI" panose="020B0502040204020203" pitchFamily="34" charset="0"/>
                 <a:ea typeface="Calibri" panose="020F0502020204030204" pitchFamily="34" charset="0"/>
               </a:rPr>
-              <a:t> </a:t>
-            </a:r>
-            <a:r>
-              <a:rPr lang="en" b="1" dirty="0" err="1" smtClean="0">
+              <a:t>Add </a:t>
+            </a:r>
+            <a:r>
+              <a:rPr lang="en" b="1" dirty="0" smtClean="0">
                 <a:latin typeface="Segoe UI" panose="020B0502040204020203" pitchFamily="34" charset="0"/>
                 <a:ea typeface="Calibri" panose="020F0502020204030204" pitchFamily="34" charset="0"/>
               </a:rPr>
-              <a:t>OrderQuantity </a:t>
+              <a:t>Sales</a:t>
+            </a:r>
+            <a:r>
+              <a:rPr lang="en" b="1" dirty="0" smtClean="0">
+                <a:latin typeface="Segoe UI" panose="020B0502040204020203" pitchFamily="34" charset="0"/>
+                <a:ea typeface="Calibri" panose="020F0502020204030204" pitchFamily="34" charset="0"/>
+              </a:rPr>
+              <a:t>Quantity </a:t>
             </a:r>
             <a:r>
               <a:rPr lang="en" dirty="0" smtClean="0">
@@ -3647,46 +3631,11 @@
               <a:t>of </a:t>
             </a:r>
             <a:r>
-              <a:rPr lang="en" b="1" dirty="0" err="1" smtClean="0">
-                <a:latin typeface="Segoe UI" panose="020B0502040204020203" pitchFamily="34" charset="0"/>
-                <a:ea typeface="Calibri" panose="020F0502020204030204" pitchFamily="34" charset="0"/>
-              </a:rPr>
-              <a:t>FactsInternetField </a:t>
-            </a:r>
-            <a:r>
-              <a:rPr lang="en" dirty="0" smtClean="0">
-                <a:latin typeface="Segoe UI" panose="020B0502040204020203" pitchFamily="34" charset="0"/>
-                <a:ea typeface="Calibri" panose="020F0502020204030204" pitchFamily="34" charset="0"/>
-              </a:rPr>
-              <a:t>Sales</a:t>
-            </a:r>
-            <a:r>
               <a:rPr lang="en" b="1" dirty="0" smtClean="0">
                 <a:latin typeface="Segoe UI" panose="020B0502040204020203" pitchFamily="34" charset="0"/>
                 <a:ea typeface="Calibri" panose="020F0502020204030204" pitchFamily="34" charset="0"/>
               </a:rPr>
-              <a:t>​</a:t>
-            </a:r>
-            <a:r>
-              <a:rPr lang="en" dirty="0" smtClean="0">
-                <a:latin typeface="Segoe UI" panose="020B0502040204020203" pitchFamily="34" charset="0"/>
-                <a:ea typeface="Calibri" panose="020F0502020204030204" pitchFamily="34" charset="0"/>
-              </a:rPr>
-              <a:t> </a:t>
-            </a:r>
-            <a:r>
-              <a:rPr lang="en" dirty="0" err="1" smtClean="0">
-                <a:latin typeface="Segoe UI" panose="020B0502040204020203" pitchFamily="34" charset="0"/>
-                <a:ea typeface="Calibri" panose="020F0502020204030204" pitchFamily="34" charset="0"/>
-              </a:rPr>
-              <a:t>setting</a:t>
-            </a:r>
-            <a:r>
-              <a:rPr lang="en" b="1" dirty="0" smtClean="0">
-                <a:latin typeface="Segoe UI" panose="020B0502040204020203" pitchFamily="34" charset="0"/>
-                <a:ea typeface="Calibri" panose="020F0502020204030204" pitchFamily="34" charset="0"/>
-              </a:rPr>
-              <a:t> </a:t>
+              <a:t>FactSales ​</a:t>
             </a:r>
             <a:endParaRPr lang="en-US" dirty="0"/>
           </a:p>
@@ -3701,7 +3650,7 @@
         <p:spPr>
           <a:xfrm>
             <a:off x="376953" y="802189"/>
-            <a:ext cx="6318909" cy="388696"/>
+            <a:ext cx="6034665" cy="373692"/>
           </a:xfrm>
           <a:prstGeom prst="rect">
             <a:avLst/>
@@ -3727,7 +3676,7 @@
                 <a:ea typeface="Calibri" panose="020F0502020204030204" pitchFamily="34" charset="0"/>
                 <a:cs typeface="Times New Roman" panose="02020603050405020304" pitchFamily="18" charset="0"/>
               </a:rPr>
-              <a:t>Note: This lab uses the AdventureWorksDW2016 </a:t>
+              <a:t>Note: </a:t>
             </a:r>
             <a:r>
               <a:rPr lang="en" dirty="0" smtClean="0">
@@ -3735,9 +3684,41 @@
                 <a:ea typeface="Calibri" panose="020F0502020204030204" pitchFamily="34" charset="0"/>
                 <a:cs typeface="Times New Roman" panose="02020603050405020304" pitchFamily="18" charset="0"/>
               </a:rPr>
-              <a:t>database</a:t>
-            </a:r>
-            <a:endParaRPr lang="en-US" sz="1400" dirty="0">
+              <a:t>This lab uses </a:t>
+            </a:r>
+            <a:r>
+              <a:rPr lang="en" b="1" dirty="0" smtClean="0">
+                <a:latin typeface="Segoe UI" panose="020B0502040204020203" pitchFamily="34" charset="0"/>
+                <a:ea typeface="Calibri" panose="020F0502020204030204" pitchFamily="34" charset="0"/>
+                <a:cs typeface="Times New Roman" panose="02020603050405020304" pitchFamily="18" charset="0"/>
+              </a:rPr>
+              <a:t>Sales.xls </a:t>
+            </a:r>
+            <a:r>
+              <a:rPr lang="en" dirty="0" smtClean="0">
+                <a:latin typeface="Segoe UI" panose="020B0502040204020203" pitchFamily="34" charset="0"/>
+                <a:ea typeface="Calibri" panose="020F0502020204030204" pitchFamily="34" charset="0"/>
+                <a:cs typeface="Times New Roman" panose="02020603050405020304" pitchFamily="18" charset="0"/>
+              </a:rPr>
+              <a:t>file the </a:t>
+            </a:r>
+            <a:r>
+              <a:rPr lang="en" b="1" dirty="0" smtClean="0">
+                <a:latin typeface="Segoe UI" panose="020B0502040204020203" pitchFamily="34" charset="0"/>
+                <a:ea typeface="Calibri" panose="020F0502020204030204" pitchFamily="34" charset="0"/>
+                <a:cs typeface="Times New Roman" panose="02020603050405020304" pitchFamily="18" charset="0"/>
+              </a:rPr>
+              <a:t>Excel Sources </a:t>
+            </a:r>
+            <a:r>
+              <a:rPr lang="en" dirty="0" smtClean="0">
+                <a:latin typeface="Segoe UI" panose="020B0502040204020203" pitchFamily="34" charset="0"/>
+                <a:ea typeface="Calibri" panose="020F0502020204030204" pitchFamily="34" charset="0"/>
+                <a:cs typeface="Times New Roman" panose="02020603050405020304" pitchFamily="18" charset="0"/>
+              </a:rPr>
+              <a:t>folder</a:t>
+            </a:r>
+            <a:endParaRPr lang="en-US" sz="1400" b="1" dirty="0">
               <a:effectLst/>
               <a:latin typeface="Calibri" panose="020F0502020204030204" pitchFamily="34" charset="0"/>
               <a:ea typeface="Calibri" panose="020F0502020204030204" pitchFamily="34" charset="0"/>
@@ -3782,7 +3763,7 @@
       </p:pic>
       <p:pic>
         <p:nvPicPr>
-          <p:cNvPr id="6" name="Picture 5"/>
+          <p:cNvPr id="7" name="Picture 6"/>
           <p:cNvPicPr>
             <a:picLocks noChangeAspect="1"/>
           </p:cNvPicPr>
@@ -3796,8 +3777,8 @@
         </p:blipFill>
         <p:spPr>
           <a:xfrm>
-            <a:off x="3233099" y="2698709"/>
-            <a:ext cx="3731960" cy="2028058"/>
+            <a:off x="3394285" y="2606379"/>
+            <a:ext cx="3788568" cy="1858543"/>
           </a:xfrm>
           <a:prstGeom prst="rect">
             <a:avLst/>
@@ -3974,18 +3955,18 @@
               <a:t> </a:t>
             </a:r>
             <a:r>
-              <a:rPr lang="en" b="1" dirty="0" err="1" smtClean="0">
+              <a:rPr lang="en" b="1" dirty="0">
                 <a:latin typeface="Segoe UI" panose="020B0502040204020203" pitchFamily="34" charset="0"/>
                 <a:ea typeface="Calibri" panose="020F0502020204030204" pitchFamily="34" charset="0"/>
               </a:rPr>
-              <a:t>Calendar year</a:t>
+              <a:t>Y</a:t>
             </a:r>
             <a:r>
               <a:rPr lang="en" b="1" dirty="0" smtClean="0">
                 <a:latin typeface="Segoe UI" panose="020B0502040204020203" pitchFamily="34" charset="0"/>
                 <a:ea typeface="Calibri" panose="020F0502020204030204" pitchFamily="34" charset="0"/>
               </a:rPr>
-              <a:t> </a:t>
+              <a:t>ear </a:t>
             </a:r>
             <a:r>
               <a:rPr lang="en" dirty="0" smtClean="0">
@@ -3995,7 +3976,7 @@
               <a:t>from </a:t>
             </a:r>
             <a:r>
-              <a:rPr lang="en" b="1" dirty="0" err="1" smtClean="0">
+              <a:rPr lang="en" b="1" dirty="0" smtClean="0">
                 <a:latin typeface="Segoe UI" panose="020B0502040204020203" pitchFamily="34" charset="0"/>
                 <a:ea typeface="Calibri" panose="020F0502020204030204" pitchFamily="34" charset="0"/>
               </a:rPr>
@@ -4089,7 +4070,7 @@
       </p:pic>
       <p:pic>
         <p:nvPicPr>
-          <p:cNvPr id="3" name="Picture 2"/>
+          <p:cNvPr id="5" name="Picture 4"/>
           <p:cNvPicPr>
             <a:picLocks noChangeAspect="1"/>
           </p:cNvPicPr>
@@ -4097,40 +4078,6 @@
         </p:nvPicPr>
         <p:blipFill>
           <a:blip r:embed="rId3"/>
-          <a:stretch>
-            <a:fillRect/>
-          </a:stretch>
-        </p:blipFill>
-        <p:spPr>
-          <a:xfrm>
-            <a:off x="7747001" y="3624663"/>
-            <a:ext cx="3229426" cy="2991267"/>
-          </a:xfrm>
-          <a:prstGeom prst="rect">
-            <a:avLst/>
-          </a:prstGeom>
-          <a:ln>
-            <a:noFill/>
-          </a:ln>
-          <a:effectLst>
-            <a:outerShdw blurRad="292100" dist="139700" dir="2700000" algn="tl" rotWithShape="0">
-              <a:srgbClr val="333333">
-                <a:alpha val="65000"/>
-              </a:srgbClr>
-            </a:outerShdw>
-          </a:effectLst>
-        </p:spPr>
-      </p:pic>
-      <p:pic>
-        <p:nvPicPr>
-          <p:cNvPr id="5" name="Picture 4"/>
-          <p:cNvPicPr>
-            <a:picLocks noChangeAspect="1"/>
-          </p:cNvPicPr>
-          <p:nvPr/>
-        </p:nvPicPr>
-        <p:blipFill>
-          <a:blip r:embed="rId4"/>
           <a:stretch>
             <a:fillRect/>
           </a:stretch>
@@ -4164,7 +4111,7 @@
           <p:nvPr/>
         </p:nvPicPr>
         <p:blipFill>
-          <a:blip r:embed="rId5"/>
+          <a:blip r:embed="rId4"/>
           <a:stretch>
             <a:fillRect/>
           </a:stretch>
@@ -4227,6 +4174,40 @@
           </a:p>
         </p:txBody>
       </p:sp>
+      <p:pic>
+        <p:nvPicPr>
+          <p:cNvPr id="2" name="Picture 1"/>
+          <p:cNvPicPr>
+            <a:picLocks noChangeAspect="1"/>
+          </p:cNvPicPr>
+          <p:nvPr/>
+        </p:nvPicPr>
+        <p:blipFill>
+          <a:blip r:embed="rId5"/>
+          <a:stretch>
+            <a:fillRect/>
+          </a:stretch>
+        </p:blipFill>
+        <p:spPr>
+          <a:xfrm>
+            <a:off x="7255539" y="3624663"/>
+            <a:ext cx="4626977" cy="2174558"/>
+          </a:xfrm>
+          <a:prstGeom prst="rect">
+            <a:avLst/>
+          </a:prstGeom>
+          <a:ln>
+            <a:noFill/>
+          </a:ln>
+          <a:effectLst>
+            <a:outerShdw blurRad="292100" dist="139700" dir="2700000" algn="tl" rotWithShape="0">
+              <a:srgbClr val="333333">
+                <a:alpha val="65000"/>
+              </a:srgbClr>
+            </a:outerShdw>
+          </a:effectLst>
+        </p:spPr>
+      </p:pic>
     </p:spTree>
     <p:extLst>
       <p:ext uri="{BB962C8B-B14F-4D97-AF65-F5344CB8AC3E}">
